--- a/slides/Numbers.pptx
+++ b/slides/Numbers.pptx
@@ -32,6 +32,8 @@
     <p:sldId id="275" r:id="rId26"/>
     <p:sldId id="276" r:id="rId27"/>
     <p:sldId id="277" r:id="rId28"/>
+    <p:sldId id="283" r:id="rId29"/>
+    <p:sldId id="284" r:id="rId30"/>
   </p:sldIdLst>
   <p:sldSz cx="12192000" cy="6858000"/>
   <p:notesSz cx="6858000" cy="9144000"/>
@@ -285,7 +287,7 @@
           <a:p>
             <a:fld id="{2D552689-2DA0-479A-A453-A3812B106BF5}" type="datetimeFigureOut">
               <a:rPr lang="en-US" smtClean="0"/>
-              <a:t>8/9/2023</a:t>
+              <a:t>8/14/2023</a:t>
             </a:fld>
             <a:endParaRPr lang="en-US"/>
           </a:p>
@@ -483,7 +485,7 @@
           <a:p>
             <a:fld id="{2D552689-2DA0-479A-A453-A3812B106BF5}" type="datetimeFigureOut">
               <a:rPr lang="en-US" smtClean="0"/>
-              <a:t>8/9/2023</a:t>
+              <a:t>8/14/2023</a:t>
             </a:fld>
             <a:endParaRPr lang="en-US"/>
           </a:p>
@@ -691,7 +693,7 @@
           <a:p>
             <a:fld id="{2D552689-2DA0-479A-A453-A3812B106BF5}" type="datetimeFigureOut">
               <a:rPr lang="en-US" smtClean="0"/>
-              <a:t>8/9/2023</a:t>
+              <a:t>8/14/2023</a:t>
             </a:fld>
             <a:endParaRPr lang="en-US"/>
           </a:p>
@@ -889,7 +891,7 @@
           <a:p>
             <a:fld id="{2D552689-2DA0-479A-A453-A3812B106BF5}" type="datetimeFigureOut">
               <a:rPr lang="en-US" smtClean="0"/>
-              <a:t>8/9/2023</a:t>
+              <a:t>8/14/2023</a:t>
             </a:fld>
             <a:endParaRPr lang="en-US"/>
           </a:p>
@@ -1164,7 +1166,7 @@
           <a:p>
             <a:fld id="{2D552689-2DA0-479A-A453-A3812B106BF5}" type="datetimeFigureOut">
               <a:rPr lang="en-US" smtClean="0"/>
-              <a:t>8/9/2023</a:t>
+              <a:t>8/14/2023</a:t>
             </a:fld>
             <a:endParaRPr lang="en-US"/>
           </a:p>
@@ -1429,7 +1431,7 @@
           <a:p>
             <a:fld id="{2D552689-2DA0-479A-A453-A3812B106BF5}" type="datetimeFigureOut">
               <a:rPr lang="en-US" smtClean="0"/>
-              <a:t>8/9/2023</a:t>
+              <a:t>8/14/2023</a:t>
             </a:fld>
             <a:endParaRPr lang="en-US"/>
           </a:p>
@@ -1841,7 +1843,7 @@
           <a:p>
             <a:fld id="{2D552689-2DA0-479A-A453-A3812B106BF5}" type="datetimeFigureOut">
               <a:rPr lang="en-US" smtClean="0"/>
-              <a:t>8/9/2023</a:t>
+              <a:t>8/14/2023</a:t>
             </a:fld>
             <a:endParaRPr lang="en-US"/>
           </a:p>
@@ -1982,7 +1984,7 @@
           <a:p>
             <a:fld id="{2D552689-2DA0-479A-A453-A3812B106BF5}" type="datetimeFigureOut">
               <a:rPr lang="en-US" smtClean="0"/>
-              <a:t>8/9/2023</a:t>
+              <a:t>8/14/2023</a:t>
             </a:fld>
             <a:endParaRPr lang="en-US"/>
           </a:p>
@@ -2095,7 +2097,7 @@
           <a:p>
             <a:fld id="{2D552689-2DA0-479A-A453-A3812B106BF5}" type="datetimeFigureOut">
               <a:rPr lang="en-US" smtClean="0"/>
-              <a:t>8/9/2023</a:t>
+              <a:t>8/14/2023</a:t>
             </a:fld>
             <a:endParaRPr lang="en-US"/>
           </a:p>
@@ -2406,7 +2408,7 @@
           <a:p>
             <a:fld id="{2D552689-2DA0-479A-A453-A3812B106BF5}" type="datetimeFigureOut">
               <a:rPr lang="en-US" smtClean="0"/>
-              <a:t>8/9/2023</a:t>
+              <a:t>8/14/2023</a:t>
             </a:fld>
             <a:endParaRPr lang="en-US"/>
           </a:p>
@@ -2694,7 +2696,7 @@
           <a:p>
             <a:fld id="{2D552689-2DA0-479A-A453-A3812B106BF5}" type="datetimeFigureOut">
               <a:rPr lang="en-US" smtClean="0"/>
-              <a:t>8/9/2023</a:t>
+              <a:t>8/14/2023</a:t>
             </a:fld>
             <a:endParaRPr lang="en-US"/>
           </a:p>
@@ -2935,7 +2937,7 @@
           <a:p>
             <a:fld id="{2D552689-2DA0-479A-A453-A3812B106BF5}" type="datetimeFigureOut">
               <a:rPr lang="en-US" smtClean="0"/>
-              <a:t>8/9/2023</a:t>
+              <a:t>8/14/2023</a:t>
             </a:fld>
             <a:endParaRPr lang="en-US"/>
           </a:p>
@@ -6283,6 +6285,272 @@
     <p:extLst>
       <p:ext uri="{BB962C8B-B14F-4D97-AF65-F5344CB8AC3E}">
         <p14:creationId xmlns:p14="http://schemas.microsoft.com/office/powerpoint/2010/main" val="4289474785"/>
+      </p:ext>
+    </p:extLst>
+  </p:cSld>
+  <p:clrMapOvr>
+    <a:masterClrMapping/>
+  </p:clrMapOvr>
+</p:sld>
+</file>
+
+<file path=ppt/slides/slide28.xml><?xml version="1.0" encoding="utf-8"?>
+<p:sld xmlns:a="http://schemas.openxmlformats.org/drawingml/2006/main" xmlns:r="http://schemas.openxmlformats.org/officeDocument/2006/relationships" xmlns:p="http://schemas.openxmlformats.org/presentationml/2006/main">
+  <p:cSld>
+    <p:spTree>
+      <p:nvGrpSpPr>
+        <p:cNvPr id="1" name=""/>
+        <p:cNvGrpSpPr/>
+        <p:nvPr/>
+      </p:nvGrpSpPr>
+      <p:grpSpPr>
+        <a:xfrm>
+          <a:off x="0" y="0"/>
+          <a:ext cx="0" cy="0"/>
+          <a:chOff x="0" y="0"/>
+          <a:chExt cx="0" cy="0"/>
+        </a:xfrm>
+      </p:grpSpPr>
+      <p:sp>
+        <p:nvSpPr>
+          <p:cNvPr id="2" name="Title 1">
+            <a:extLst>
+              <a:ext uri="{FF2B5EF4-FFF2-40B4-BE49-F238E27FC236}">
+                <a16:creationId xmlns:a16="http://schemas.microsoft.com/office/drawing/2014/main" id="{3B74060D-9801-437F-BA76-FC810CFC9DF6}"/>
+              </a:ext>
+            </a:extLst>
+          </p:cNvPr>
+          <p:cNvSpPr>
+            <a:spLocks noGrp="1"/>
+          </p:cNvSpPr>
+          <p:nvPr>
+            <p:ph type="title"/>
+          </p:nvPr>
+        </p:nvSpPr>
+        <p:spPr/>
+        <p:txBody>
+          <a:bodyPr/>
+          <a:lstStyle/>
+          <a:p>
+            <a:r>
+              <a:rPr lang="en-US" dirty="0"/>
+              <a:t>Number Properties Do Not Work on Variables</a:t>
+            </a:r>
+          </a:p>
+        </p:txBody>
+      </p:sp>
+      <p:sp>
+        <p:nvSpPr>
+          <p:cNvPr id="3" name="Content Placeholder 2">
+            <a:extLst>
+              <a:ext uri="{FF2B5EF4-FFF2-40B4-BE49-F238E27FC236}">
+                <a16:creationId xmlns:a16="http://schemas.microsoft.com/office/drawing/2014/main" id="{47B407BB-F046-44A1-BC1A-71201E7AC34F}"/>
+              </a:ext>
+            </a:extLst>
+          </p:cNvPr>
+          <p:cNvSpPr>
+            <a:spLocks noGrp="1"/>
+          </p:cNvSpPr>
+          <p:nvPr>
+            <p:ph idx="1"/>
+          </p:nvPr>
+        </p:nvSpPr>
+        <p:spPr/>
+        <p:txBody>
+          <a:bodyPr/>
+          <a:lstStyle/>
+          <a:p>
+            <a:r>
+              <a:rPr lang="en-US" dirty="0"/>
+              <a:t>Number properties belong to JavaScript’s object wrapper called </a:t>
+            </a:r>
+            <a:r>
+              <a:rPr lang="en-US" b="1" i="1" dirty="0"/>
+              <a:t>Number</a:t>
+            </a:r>
+            <a:endParaRPr lang="en-US" dirty="0"/>
+          </a:p>
+          <a:p>
+            <a:r>
+              <a:rPr lang="en-US" dirty="0"/>
+              <a:t>These properties can </a:t>
+            </a:r>
+            <a:r>
+              <a:rPr lang="en-US" i="1" dirty="0"/>
+              <a:t>only</a:t>
+            </a:r>
+            <a:r>
+              <a:rPr lang="en-US" dirty="0"/>
+              <a:t> be accessed using </a:t>
+            </a:r>
+            <a:r>
+              <a:rPr lang="en-US" b="1" i="1" dirty="0" err="1"/>
+              <a:t>Number.property</a:t>
+            </a:r>
+            <a:endParaRPr lang="en-US" dirty="0"/>
+          </a:p>
+          <a:p>
+            <a:r>
+              <a:rPr lang="en-US" dirty="0"/>
+              <a:t>You will not be able to access any of these properties through a variable holding a number</a:t>
+            </a:r>
+          </a:p>
+        </p:txBody>
+      </p:sp>
+      <p:pic>
+        <p:nvPicPr>
+          <p:cNvPr id="5" name="Picture 4">
+            <a:extLst>
+              <a:ext uri="{FF2B5EF4-FFF2-40B4-BE49-F238E27FC236}">
+                <a16:creationId xmlns:a16="http://schemas.microsoft.com/office/drawing/2014/main" id="{48E75A67-D278-4DB2-A19E-4A6587FA2C53}"/>
+              </a:ext>
+            </a:extLst>
+          </p:cNvPr>
+          <p:cNvPicPr>
+            <a:picLocks noChangeAspect="1"/>
+          </p:cNvPicPr>
+          <p:nvPr/>
+        </p:nvPicPr>
+        <p:blipFill>
+          <a:blip r:embed="rId2">
+            <a:extLst>
+              <a:ext uri="{28A0092B-C50C-407E-A947-70E740481C1C}">
+                <a14:useLocalDpi xmlns:a14="http://schemas.microsoft.com/office/drawing/2010/main" val="0"/>
+              </a:ext>
+            </a:extLst>
+          </a:blip>
+          <a:stretch>
+            <a:fillRect/>
+          </a:stretch>
+        </p:blipFill>
+        <p:spPr>
+          <a:xfrm>
+            <a:off x="0" y="5346731"/>
+            <a:ext cx="6096000" cy="1508125"/>
+          </a:xfrm>
+          <a:prstGeom prst="rect">
+            <a:avLst/>
+          </a:prstGeom>
+        </p:spPr>
+      </p:pic>
+    </p:spTree>
+    <p:extLst>
+      <p:ext uri="{BB962C8B-B14F-4D97-AF65-F5344CB8AC3E}">
+        <p14:creationId xmlns:p14="http://schemas.microsoft.com/office/powerpoint/2010/main" val="1620063994"/>
+      </p:ext>
+    </p:extLst>
+  </p:cSld>
+  <p:clrMapOvr>
+    <a:masterClrMapping/>
+  </p:clrMapOvr>
+</p:sld>
+</file>
+
+<file path=ppt/slides/slide29.xml><?xml version="1.0" encoding="utf-8"?>
+<p:sld xmlns:a="http://schemas.openxmlformats.org/drawingml/2006/main" xmlns:r="http://schemas.openxmlformats.org/officeDocument/2006/relationships" xmlns:p="http://schemas.openxmlformats.org/presentationml/2006/main">
+  <p:cSld>
+    <p:spTree>
+      <p:nvGrpSpPr>
+        <p:cNvPr id="1" name=""/>
+        <p:cNvGrpSpPr/>
+        <p:nvPr/>
+      </p:nvGrpSpPr>
+      <p:grpSpPr>
+        <a:xfrm>
+          <a:off x="0" y="0"/>
+          <a:ext cx="0" cy="0"/>
+          <a:chOff x="0" y="0"/>
+          <a:chExt cx="0" cy="0"/>
+        </a:xfrm>
+      </p:grpSpPr>
+      <p:sp>
+        <p:nvSpPr>
+          <p:cNvPr id="2" name="Title 1">
+            <a:extLst>
+              <a:ext uri="{FF2B5EF4-FFF2-40B4-BE49-F238E27FC236}">
+                <a16:creationId xmlns:a16="http://schemas.microsoft.com/office/drawing/2014/main" id="{33F741FB-7D82-4A64-AB2C-F4E3AE18C103}"/>
+              </a:ext>
+            </a:extLst>
+          </p:cNvPr>
+          <p:cNvSpPr>
+            <a:spLocks noGrp="1"/>
+          </p:cNvSpPr>
+          <p:nvPr>
+            <p:ph type="title"/>
+          </p:nvPr>
+        </p:nvSpPr>
+        <p:spPr/>
+        <p:txBody>
+          <a:bodyPr/>
+          <a:lstStyle/>
+          <a:p>
+            <a:r>
+              <a:rPr lang="en-US" dirty="0"/>
+              <a:t>For Today</a:t>
+            </a:r>
+          </a:p>
+        </p:txBody>
+      </p:sp>
+      <p:sp>
+        <p:nvSpPr>
+          <p:cNvPr id="3" name="Content Placeholder 2">
+            <a:extLst>
+              <a:ext uri="{FF2B5EF4-FFF2-40B4-BE49-F238E27FC236}">
+                <a16:creationId xmlns:a16="http://schemas.microsoft.com/office/drawing/2014/main" id="{D6CA06DD-388E-482E-AF91-90DEB9683F00}"/>
+              </a:ext>
+            </a:extLst>
+          </p:cNvPr>
+          <p:cNvSpPr>
+            <a:spLocks noGrp="1"/>
+          </p:cNvSpPr>
+          <p:nvPr>
+            <p:ph idx="1"/>
+          </p:nvPr>
+        </p:nvSpPr>
+        <p:spPr/>
+        <p:txBody>
+          <a:bodyPr/>
+          <a:lstStyle/>
+          <a:p>
+            <a:r>
+              <a:rPr lang="en-US" dirty="0"/>
+              <a:t>Module 4 Exercises Day 2</a:t>
+            </a:r>
+          </a:p>
+          <a:p>
+            <a:r>
+              <a:rPr lang="en-US" dirty="0" err="1"/>
+              <a:t>Atometric</a:t>
+            </a:r>
+            <a:r>
+              <a:rPr lang="en-US" dirty="0"/>
+              <a:t> </a:t>
+            </a:r>
+          </a:p>
+          <a:p>
+            <a:r>
+              <a:rPr lang="en-US" dirty="0"/>
+              <a:t>Portfolio</a:t>
+            </a:r>
+          </a:p>
+          <a:p>
+            <a:r>
+              <a:rPr lang="en-US" dirty="0"/>
+              <a:t>Calculator</a:t>
+            </a:r>
+          </a:p>
+          <a:p>
+            <a:r>
+              <a:rPr lang="en-US"/>
+              <a:t>To Do List</a:t>
+            </a:r>
+          </a:p>
+        </p:txBody>
+      </p:sp>
+    </p:spTree>
+    <p:extLst>
+      <p:ext uri="{BB962C8B-B14F-4D97-AF65-F5344CB8AC3E}">
+        <p14:creationId xmlns:p14="http://schemas.microsoft.com/office/powerpoint/2010/main" val="3843250612"/>
       </p:ext>
     </p:extLst>
   </p:cSld>
